--- a/02 - Poster/webPicture-Poster.pptx
+++ b/02 - Poster/webPicture-Poster.pptx
@@ -2236,7 +2236,7 @@
         </p:nvSpPr>
         <p:spPr>
           <a:xfrm>
-            <a:off x="-54146" y="18630846"/>
+            <a:off x="-54146" y="18630845"/>
             <a:ext cx="25305092" cy="8940036"/>
           </a:xfrm>
           <a:prstGeom prst="rect">
@@ -2339,7 +2339,7 @@
         </p:nvSpPr>
         <p:spPr>
           <a:xfrm>
-            <a:off x="320773" y="7788424"/>
+            <a:off x="320773" y="7788423"/>
             <a:ext cx="11824693" cy="10864851"/>
           </a:xfrm>
           <a:prstGeom prst="rect">
@@ -2496,7 +2496,7 @@
         <p:spPr>
           <a:xfrm>
             <a:off x="12769949" y="12596124"/>
-            <a:ext cx="11824693" cy="5988051"/>
+            <a:ext cx="11824694" cy="5988051"/>
           </a:xfrm>
           <a:prstGeom prst="rect">
             <a:avLst/>
@@ -2560,7 +2560,7 @@
         </p:nvSpPr>
         <p:spPr>
           <a:xfrm>
-            <a:off x="143615" y="19070785"/>
+            <a:off x="143615" y="19070786"/>
             <a:ext cx="8232183" cy="8426451"/>
           </a:xfrm>
           <a:prstGeom prst="rect">
@@ -2703,8 +2703,8 @@
         </p:nvSpPr>
         <p:spPr>
           <a:xfrm>
-            <a:off x="8244877" y="19070785"/>
-            <a:ext cx="8425662" cy="1111251"/>
+            <a:off x="8244878" y="19070786"/>
+            <a:ext cx="8425661" cy="1111251"/>
           </a:xfrm>
           <a:prstGeom prst="rect">
             <a:avLst/>
@@ -2827,7 +2827,7 @@
         <p:spPr>
           <a:xfrm>
             <a:off x="8868178" y="20599547"/>
-            <a:ext cx="7179060" cy="6760281"/>
+            <a:ext cx="7179059" cy="6760281"/>
           </a:xfrm>
           <a:prstGeom prst="rect">
             <a:avLst/>
@@ -2853,8 +2853,8 @@
         </p:blipFill>
         <p:spPr>
           <a:xfrm>
-            <a:off x="18835047" y="20175167"/>
-            <a:ext cx="5998114" cy="3482238"/>
+            <a:off x="18835047" y="20175166"/>
+            <a:ext cx="5998114" cy="3482239"/>
           </a:xfrm>
           <a:prstGeom prst="rect">
             <a:avLst/>
@@ -2866,7 +2866,7 @@
       </p:pic>
       <p:pic>
         <p:nvPicPr>
-          <p:cNvPr id="50" name="Captura de pantalla 2014-11-14 a la(s) 23.34.51.png"/>
+          <p:cNvPr id="50" name="Captura de pantalla 2015-01-09 a la(s) 4.47.20.png"/>
           <p:cNvPicPr/>
           <p:nvPr/>
         </p:nvPicPr>
@@ -2880,8 +2880,8 @@
         </p:blipFill>
         <p:spPr>
           <a:xfrm>
-            <a:off x="18011090" y="21860026"/>
-            <a:ext cx="6005296" cy="3482238"/>
+            <a:off x="18340883" y="22138092"/>
+            <a:ext cx="6014743" cy="3265866"/>
           </a:xfrm>
           <a:prstGeom prst="rect">
             <a:avLst/>
@@ -2891,387 +2891,33 @@
           </a:ln>
         </p:spPr>
       </p:pic>
-      <p:grpSp>
-        <p:nvGrpSpPr>
-          <p:cNvPr id="59" name="Group 59"/>
-          <p:cNvGrpSpPr/>
+      <p:pic>
+        <p:nvPicPr>
+          <p:cNvPr id="51" name="Captura de pantalla 2015-01-09 a la(s) 5.26.30.png"/>
+          <p:cNvPicPr/>
           <p:nvPr/>
-        </p:nvGrpSpPr>
-        <p:grpSpPr>
+        </p:nvPicPr>
+        <p:blipFill>
+          <a:blip r:embed="rId7">
+            <a:extLst/>
+          </a:blip>
+          <a:stretch>
+            <a:fillRect/>
+          </a:stretch>
+        </p:blipFill>
+        <p:spPr>
           <a:xfrm>
-            <a:off x="16947120" y="23590920"/>
-            <a:ext cx="5998113" cy="3482239"/>
-            <a:chOff x="0" y="0"/>
-            <a:chExt cx="5998111" cy="3482237"/>
+            <a:off x="17148973" y="23836534"/>
+            <a:ext cx="6005298" cy="3482238"/>
           </a:xfrm>
-        </p:grpSpPr>
-        <p:pic>
-          <p:nvPicPr>
-            <p:cNvPr id="51" name="Captura de pantalla 2014-11-14 a la(s) 23.37.14.png"/>
-            <p:cNvPicPr/>
-            <p:nvPr/>
-          </p:nvPicPr>
-          <p:blipFill>
-            <a:blip r:embed="rId7">
-              <a:extLst/>
-            </a:blip>
-            <a:stretch>
-              <a:fillRect/>
-            </a:stretch>
-          </p:blipFill>
-          <p:spPr>
-            <a:xfrm>
-              <a:off x="0" y="0"/>
-              <a:ext cx="5998112" cy="3482238"/>
-            </a:xfrm>
-            <a:prstGeom prst="rect">
-              <a:avLst/>
-            </a:prstGeom>
-            <a:ln w="12700" cap="flat">
-              <a:noFill/>
-              <a:miter lim="400000"/>
-            </a:ln>
-            <a:effectLst/>
-          </p:spPr>
-        </p:pic>
-        <p:sp>
-          <p:nvSpPr>
-            <p:cNvPr id="52" name="Shape 52"/>
-            <p:cNvSpPr/>
-            <p:nvPr/>
-          </p:nvSpPr>
-          <p:spPr>
-            <a:xfrm>
-              <a:off x="1159088" y="257288"/>
-              <a:ext cx="7064" cy="2967661"/>
-            </a:xfrm>
-            <a:prstGeom prst="rect">
-              <a:avLst/>
-            </a:prstGeom>
-            <a:solidFill>
-              <a:srgbClr val="808080"/>
-            </a:solidFill>
-            <a:ln w="12700" cap="flat">
-              <a:noFill/>
-              <a:miter lim="400000"/>
-            </a:ln>
-            <a:effectLst/>
-          </p:spPr>
-          <p:txBody>
-            <a:bodyPr wrap="square" lIns="0" tIns="0" rIns="0" bIns="0" numCol="1" anchor="ctr">
-              <a:noAutofit/>
-            </a:bodyPr>
-            <a:lstStyle/>
-            <a:p>
-              <a:pPr lvl="0">
-                <a:defRPr sz="8800">
-                  <a:solidFill>
-                    <a:srgbClr val="FFFFFF"/>
-                  </a:solidFill>
-                </a:defRPr>
-              </a:pPr>
-            </a:p>
-          </p:txBody>
-        </p:sp>
-        <p:sp>
-          <p:nvSpPr>
-            <p:cNvPr id="53" name="Shape 53"/>
-            <p:cNvSpPr/>
-            <p:nvPr/>
-          </p:nvSpPr>
-          <p:spPr>
-            <a:xfrm>
-              <a:off x="997" y="257269"/>
-              <a:ext cx="1162839" cy="162490"/>
-            </a:xfrm>
-            <a:prstGeom prst="rect">
-              <a:avLst/>
-            </a:prstGeom>
-            <a:solidFill>
-              <a:srgbClr val="202020"/>
-            </a:solidFill>
-            <a:ln w="12700" cap="flat">
-              <a:noFill/>
-              <a:miter lim="400000"/>
-            </a:ln>
-            <a:effectLst/>
-            <a:extLst>
-              <a:ext uri="{C572A759-6A51-4108-AA02-DFA0A04FC94B}">
-                <ma14:wrappingTextBoxFlag xmlns:ma14="http://schemas.microsoft.com/office/mac/drawingml/2011/main" val="1"/>
-              </a:ext>
-            </a:extLst>
-          </p:spPr>
-          <p:txBody>
-            <a:bodyPr wrap="square" lIns="0" tIns="0" rIns="0" bIns="0" numCol="1" anchor="ctr">
-              <a:noAutofit/>
-            </a:bodyPr>
-            <a:lstStyle>
-              <a:lvl1pPr>
-                <a:defRPr sz="2000">
-                  <a:solidFill>
-                    <a:srgbClr val="FFFFFF"/>
-                  </a:solidFill>
-                </a:defRPr>
-              </a:lvl1pPr>
-            </a:lstStyle>
-            <a:p>
-              <a:pPr lvl="0">
-                <a:defRPr sz="1800">
-                  <a:solidFill>
-                    <a:srgbClr val="000000"/>
-                  </a:solidFill>
-                </a:defRPr>
-              </a:pPr>
-              <a:r>
-                <a:rPr sz="2000">
-                  <a:solidFill>
-                    <a:srgbClr val="FFFFFF"/>
-                  </a:solidFill>
-                </a:rPr>
-                <a:t>Business</a:t>
-              </a:r>
-            </a:p>
-          </p:txBody>
-        </p:sp>
-        <p:sp>
-          <p:nvSpPr>
-            <p:cNvPr id="54" name="Shape 54"/>
-            <p:cNvSpPr/>
-            <p:nvPr/>
-          </p:nvSpPr>
-          <p:spPr>
-            <a:xfrm>
-              <a:off x="997" y="434416"/>
-              <a:ext cx="1162839" cy="162491"/>
-            </a:xfrm>
-            <a:prstGeom prst="rect">
-              <a:avLst/>
-            </a:prstGeom>
-            <a:solidFill>
-              <a:srgbClr val="202020"/>
-            </a:solidFill>
-            <a:ln w="12700" cap="flat">
-              <a:noFill/>
-              <a:miter lim="400000"/>
-            </a:ln>
-            <a:effectLst/>
-            <a:extLst>
-              <a:ext uri="{C572A759-6A51-4108-AA02-DFA0A04FC94B}">
-                <ma14:wrappingTextBoxFlag xmlns:ma14="http://schemas.microsoft.com/office/mac/drawingml/2011/main" val="1"/>
-              </a:ext>
-            </a:extLst>
-          </p:spPr>
-          <p:txBody>
-            <a:bodyPr wrap="square" lIns="0" tIns="0" rIns="0" bIns="0" numCol="1" anchor="ctr">
-              <a:noAutofit/>
-            </a:bodyPr>
-            <a:lstStyle>
-              <a:lvl1pPr>
-                <a:defRPr sz="2000">
-                  <a:solidFill>
-                    <a:srgbClr val="FFFFFF"/>
-                  </a:solidFill>
-                </a:defRPr>
-              </a:lvl1pPr>
-            </a:lstStyle>
-            <a:p>
-              <a:pPr lvl="0">
-                <a:defRPr sz="1800">
-                  <a:solidFill>
-                    <a:srgbClr val="000000"/>
-                  </a:solidFill>
-                </a:defRPr>
-              </a:pPr>
-              <a:r>
-                <a:rPr sz="2000">
-                  <a:solidFill>
-                    <a:srgbClr val="FFFFFF"/>
-                  </a:solidFill>
-                </a:rPr>
-                <a:t>Application</a:t>
-              </a:r>
-            </a:p>
-          </p:txBody>
-        </p:sp>
-        <p:sp>
-          <p:nvSpPr>
-            <p:cNvPr id="55" name="Shape 55"/>
-            <p:cNvSpPr/>
-            <p:nvPr/>
-          </p:nvSpPr>
-          <p:spPr>
-            <a:xfrm>
-              <a:off x="997" y="611564"/>
-              <a:ext cx="1162839" cy="162491"/>
-            </a:xfrm>
-            <a:prstGeom prst="rect">
-              <a:avLst/>
-            </a:prstGeom>
-            <a:solidFill>
-              <a:srgbClr val="202020"/>
-            </a:solidFill>
-            <a:ln w="12700" cap="flat">
-              <a:noFill/>
-              <a:miter lim="400000"/>
-            </a:ln>
-            <a:effectLst/>
-            <a:extLst>
-              <a:ext uri="{C572A759-6A51-4108-AA02-DFA0A04FC94B}">
-                <ma14:wrappingTextBoxFlag xmlns:ma14="http://schemas.microsoft.com/office/mac/drawingml/2011/main" val="1"/>
-              </a:ext>
-            </a:extLst>
-          </p:spPr>
-          <p:txBody>
-            <a:bodyPr wrap="square" lIns="0" tIns="0" rIns="0" bIns="0" numCol="1" anchor="ctr">
-              <a:noAutofit/>
-            </a:bodyPr>
-            <a:lstStyle>
-              <a:lvl1pPr>
-                <a:defRPr sz="2000">
-                  <a:solidFill>
-                    <a:srgbClr val="FFFFFF"/>
-                  </a:solidFill>
-                </a:defRPr>
-              </a:lvl1pPr>
-            </a:lstStyle>
-            <a:p>
-              <a:pPr lvl="0">
-                <a:defRPr sz="1800">
-                  <a:solidFill>
-                    <a:srgbClr val="000000"/>
-                  </a:solidFill>
-                </a:defRPr>
-              </a:pPr>
-              <a:r>
-                <a:rPr sz="2000">
-                  <a:solidFill>
-                    <a:srgbClr val="FFFFFF"/>
-                  </a:solidFill>
-                </a:rPr>
-                <a:t>Technology </a:t>
-              </a:r>
-            </a:p>
-          </p:txBody>
-        </p:sp>
-        <p:sp>
-          <p:nvSpPr>
-            <p:cNvPr id="56" name="Shape 56"/>
-            <p:cNvSpPr/>
-            <p:nvPr/>
-          </p:nvSpPr>
-          <p:spPr>
-            <a:xfrm>
-              <a:off x="997" y="788712"/>
-              <a:ext cx="1162839" cy="162490"/>
-            </a:xfrm>
-            <a:prstGeom prst="rect">
-              <a:avLst/>
-            </a:prstGeom>
-            <a:solidFill>
-              <a:srgbClr val="202020"/>
-            </a:solidFill>
-            <a:ln w="12700" cap="flat">
-              <a:noFill/>
-              <a:miter lim="400000"/>
-            </a:ln>
-            <a:effectLst/>
-            <a:extLst>
-              <a:ext uri="{C572A759-6A51-4108-AA02-DFA0A04FC94B}">
-                <ma14:wrappingTextBoxFlag xmlns:ma14="http://schemas.microsoft.com/office/mac/drawingml/2011/main" val="1"/>
-              </a:ext>
-            </a:extLst>
-          </p:spPr>
-          <p:txBody>
-            <a:bodyPr wrap="square" lIns="0" tIns="0" rIns="0" bIns="0" numCol="1" anchor="ctr">
-              <a:noAutofit/>
-            </a:bodyPr>
-            <a:lstStyle>
-              <a:lvl1pPr>
-                <a:defRPr sz="2000">
-                  <a:solidFill>
-                    <a:srgbClr val="FFFFFF"/>
-                  </a:solidFill>
-                </a:defRPr>
-              </a:lvl1pPr>
-            </a:lstStyle>
-            <a:p>
-              <a:pPr lvl="0">
-                <a:defRPr sz="1800">
-                  <a:solidFill>
-                    <a:srgbClr val="000000"/>
-                  </a:solidFill>
-                </a:defRPr>
-              </a:pPr>
-              <a:r>
-                <a:rPr sz="2000">
-                  <a:solidFill>
-                    <a:srgbClr val="FFFFFF"/>
-                  </a:solidFill>
-                </a:rPr>
-                <a:t>Motivation </a:t>
-              </a:r>
-            </a:p>
-          </p:txBody>
-        </p:sp>
-        <p:pic>
-          <p:nvPicPr>
-            <p:cNvPr id="57" name="Captura de pantalla 2014-11-14 a la(s) 23.46.13.png"/>
-            <p:cNvPicPr/>
-            <p:nvPr/>
-          </p:nvPicPr>
-          <p:blipFill>
-            <a:blip r:embed="rId8">
-              <a:extLst/>
-            </a:blip>
-            <a:stretch>
-              <a:fillRect/>
-            </a:stretch>
-          </p:blipFill>
-          <p:spPr>
-            <a:xfrm>
-              <a:off x="127066" y="965860"/>
-              <a:ext cx="910700" cy="646968"/>
-            </a:xfrm>
-            <a:prstGeom prst="rect">
-              <a:avLst/>
-            </a:prstGeom>
-            <a:ln w="12700" cap="flat">
-              <a:noFill/>
-              <a:miter lim="400000"/>
-            </a:ln>
-            <a:effectLst/>
-          </p:spPr>
-        </p:pic>
-        <p:pic>
-          <p:nvPicPr>
-            <p:cNvPr id="58" name="Captura de pantalla 2014-11-15 a la(s) 0.06.21.png"/>
-            <p:cNvPicPr/>
-            <p:nvPr/>
-          </p:nvPicPr>
-          <p:blipFill>
-            <a:blip r:embed="rId9">
-              <a:extLst/>
-            </a:blip>
-            <a:stretch>
-              <a:fillRect/>
-            </a:stretch>
-          </p:blipFill>
-          <p:spPr>
-            <a:xfrm>
-              <a:off x="1975366" y="605310"/>
-              <a:ext cx="3024675" cy="2134580"/>
-            </a:xfrm>
-            <a:prstGeom prst="rect">
-              <a:avLst/>
-            </a:prstGeom>
-            <a:ln w="12700" cap="flat">
-              <a:noFill/>
-              <a:miter lim="400000"/>
-            </a:ln>
-            <a:effectLst/>
-          </p:spPr>
-        </p:pic>
-      </p:grpSp>
+          <a:prstGeom prst="rect">
+            <a:avLst/>
+          </a:prstGeom>
+          <a:ln w="12700">
+            <a:miter lim="400000"/>
+          </a:ln>
+        </p:spPr>
+      </p:pic>
     </p:spTree>
   </p:cSld>
   <p:clrMapOvr>
